--- a/302-변수와 자료형/302-5.배열.pptx
+++ b/302-변수와 자료형/302-5.배열.pptx
@@ -133,6 +133,37 @@
 </p:presentation>
 </file>
 
+<file path=ppt/ink/ink1.xml><?xml version="1.0" encoding="utf-8"?>
+<inkml:ink xmlns:inkml="http://www.w3.org/2003/InkML">
+  <inkml:definitions>
+    <inkml:context xml:id="ctx0">
+      <inkml:inkSource xml:id="inkSrc0">
+        <inkml:traceFormat>
+          <inkml:channel name="X" type="integer" min="-2.14748E9" max="2.14748E9" units="cm"/>
+          <inkml:channel name="Y" type="integer" min="-2.14748E9" max="2.14748E9" units="cm"/>
+          <inkml:channel name="F" type="integer" max="32767" units="dev"/>
+          <inkml:channel name="OA" type="integer" max="360" units="deg"/>
+          <inkml:channel name="OE" type="integer" max="90" units="deg"/>
+        </inkml:traceFormat>
+        <inkml:channelProperties>
+          <inkml:channelProperty channel="X" name="resolution" value="1000" units="1/cm"/>
+          <inkml:channelProperty channel="Y" name="resolution" value="1000" units="1/cm"/>
+          <inkml:channelProperty channel="F" name="resolution" value="0" units="1/dev"/>
+          <inkml:channelProperty channel="OA" name="resolution" value="1000" units="1/deg"/>
+          <inkml:channelProperty channel="OE" name="resolution" value="1000" units="1/deg"/>
+        </inkml:channelProperties>
+      </inkml:inkSource>
+      <inkml:timestamp xml:id="ts0" timeString="2023-05-23T05:01:12.109"/>
+    </inkml:context>
+    <inkml:brush xml:id="br0">
+      <inkml:brushProperty name="width" value="0.05" units="cm"/>
+      <inkml:brushProperty name="height" value="0.05" units="cm"/>
+    </inkml:brush>
+  </inkml:definitions>
+  <inkml:trace contextRef="#ctx0" brushRef="#br0">28 1 2056 0 0,'-6'9'462'0'0,"0"0"0"0"0,-8 16 0 0 0,14-24-502 0 0,0 0-1 0 0,-1 1 1 0 0,1-1-1 0 0,0 0 1 0 0,0 1-1 0 0,0-1 1 0 0,-1 0-1 0 0,1 1 1 0 0,1-1-1 0 0,-1 0 1 0 0,0 1-1 0 0,0-1 1 0 0,0 0 0 0 0,1 1-1 0 0,-1-1 1 0 0,1 0-1 0 0,0 2 1 0 0,1 7-2047 0 0,-2-10 2025 0 0,0-1-71 0 0,0 0-291 0 0</inkml:trace>
+</inkml:ink>
+</file>
+
 <file path=ppt/slideLayouts/slideLayout1.xml><?xml version="1.0" encoding="utf-8"?>
 <p:sldLayout xmlns:a="http://schemas.openxmlformats.org/drawingml/2006/main" xmlns:r="http://schemas.openxmlformats.org/officeDocument/2006/relationships" xmlns:p="http://schemas.openxmlformats.org/presentationml/2006/main" type="title" preserve="1">
   <p:cSld name="제목 슬라이드">
@@ -280,7 +311,7 @@
           <a:p>
             <a:fld id="{E05CC304-FD97-4EFE-A857-248ED2D22B29}" type="datetimeFigureOut">
               <a:rPr lang="ko-KR" altLang="en-US" smtClean="0"/>
-              <a:t>2023-05-20</a:t>
+              <a:t>2023-05-23</a:t>
             </a:fld>
             <a:endParaRPr lang="ko-KR" altLang="en-US"/>
           </a:p>
@@ -478,7 +509,7 @@
           <a:p>
             <a:fld id="{E05CC304-FD97-4EFE-A857-248ED2D22B29}" type="datetimeFigureOut">
               <a:rPr lang="ko-KR" altLang="en-US" smtClean="0"/>
-              <a:t>2023-05-20</a:t>
+              <a:t>2023-05-23</a:t>
             </a:fld>
             <a:endParaRPr lang="ko-KR" altLang="en-US"/>
           </a:p>
@@ -686,7 +717,7 @@
           <a:p>
             <a:fld id="{E05CC304-FD97-4EFE-A857-248ED2D22B29}" type="datetimeFigureOut">
               <a:rPr lang="ko-KR" altLang="en-US" smtClean="0"/>
-              <a:t>2023-05-20</a:t>
+              <a:t>2023-05-23</a:t>
             </a:fld>
             <a:endParaRPr lang="ko-KR" altLang="en-US"/>
           </a:p>
@@ -884,7 +915,7 @@
           <a:p>
             <a:fld id="{E05CC304-FD97-4EFE-A857-248ED2D22B29}" type="datetimeFigureOut">
               <a:rPr lang="ko-KR" altLang="en-US" smtClean="0"/>
-              <a:t>2023-05-20</a:t>
+              <a:t>2023-05-23</a:t>
             </a:fld>
             <a:endParaRPr lang="ko-KR" altLang="en-US"/>
           </a:p>
@@ -1159,7 +1190,7 @@
           <a:p>
             <a:fld id="{E05CC304-FD97-4EFE-A857-248ED2D22B29}" type="datetimeFigureOut">
               <a:rPr lang="ko-KR" altLang="en-US" smtClean="0"/>
-              <a:t>2023-05-20</a:t>
+              <a:t>2023-05-23</a:t>
             </a:fld>
             <a:endParaRPr lang="ko-KR" altLang="en-US"/>
           </a:p>
@@ -1424,7 +1455,7 @@
           <a:p>
             <a:fld id="{E05CC304-FD97-4EFE-A857-248ED2D22B29}" type="datetimeFigureOut">
               <a:rPr lang="ko-KR" altLang="en-US" smtClean="0"/>
-              <a:t>2023-05-20</a:t>
+              <a:t>2023-05-23</a:t>
             </a:fld>
             <a:endParaRPr lang="ko-KR" altLang="en-US"/>
           </a:p>
@@ -1836,7 +1867,7 @@
           <a:p>
             <a:fld id="{E05CC304-FD97-4EFE-A857-248ED2D22B29}" type="datetimeFigureOut">
               <a:rPr lang="ko-KR" altLang="en-US" smtClean="0"/>
-              <a:t>2023-05-20</a:t>
+              <a:t>2023-05-23</a:t>
             </a:fld>
             <a:endParaRPr lang="ko-KR" altLang="en-US"/>
           </a:p>
@@ -1977,7 +2008,7 @@
           <a:p>
             <a:fld id="{E05CC304-FD97-4EFE-A857-248ED2D22B29}" type="datetimeFigureOut">
               <a:rPr lang="ko-KR" altLang="en-US" smtClean="0"/>
-              <a:t>2023-05-20</a:t>
+              <a:t>2023-05-23</a:t>
             </a:fld>
             <a:endParaRPr lang="ko-KR" altLang="en-US"/>
           </a:p>
@@ -2090,7 +2121,7 @@
           <a:p>
             <a:fld id="{E05CC304-FD97-4EFE-A857-248ED2D22B29}" type="datetimeFigureOut">
               <a:rPr lang="ko-KR" altLang="en-US" smtClean="0"/>
-              <a:t>2023-05-20</a:t>
+              <a:t>2023-05-23</a:t>
             </a:fld>
             <a:endParaRPr lang="ko-KR" altLang="en-US"/>
           </a:p>
@@ -2401,7 +2432,7 @@
           <a:p>
             <a:fld id="{E05CC304-FD97-4EFE-A857-248ED2D22B29}" type="datetimeFigureOut">
               <a:rPr lang="ko-KR" altLang="en-US" smtClean="0"/>
-              <a:t>2023-05-20</a:t>
+              <a:t>2023-05-23</a:t>
             </a:fld>
             <a:endParaRPr lang="ko-KR" altLang="en-US"/>
           </a:p>
@@ -2689,7 +2720,7 @@
           <a:p>
             <a:fld id="{E05CC304-FD97-4EFE-A857-248ED2D22B29}" type="datetimeFigureOut">
               <a:rPr lang="ko-KR" altLang="en-US" smtClean="0"/>
-              <a:t>2023-05-20</a:t>
+              <a:t>2023-05-23</a:t>
             </a:fld>
             <a:endParaRPr lang="ko-KR" altLang="en-US"/>
           </a:p>
@@ -2930,7 +2961,7 @@
           <a:p>
             <a:fld id="{E05CC304-FD97-4EFE-A857-248ED2D22B29}" type="datetimeFigureOut">
               <a:rPr lang="ko-KR" altLang="en-US" smtClean="0"/>
-              <a:t>2023-05-20</a:t>
+              <a:t>2023-05-23</a:t>
             </a:fld>
             <a:endParaRPr lang="ko-KR" altLang="en-US"/>
           </a:p>
@@ -4111,15 +4142,15 @@
                 <a:ea typeface="KoPubWorld돋움체 Bold" panose="00000800000000000000" pitchFamily="2" charset="-127"/>
                 <a:cs typeface="KoPubWorld돋움체 Bold" panose="00000800000000000000" pitchFamily="2" charset="-127"/>
               </a:rPr>
-              <a:t>배열</a:t>
-            </a:r>
-            <a:r>
-              <a:rPr lang="en-US" altLang="ko-KR" sz="4000" dirty="0">
+              <a:t>배열 </a:t>
+            </a:r>
+            <a:r>
+              <a:rPr lang="ko-KR" altLang="en-US" sz="4000" dirty="0" err="1">
                 <a:latin typeface="KoPubWorld돋움체 Bold" panose="00000800000000000000" pitchFamily="2" charset="-127"/>
                 <a:ea typeface="KoPubWorld돋움체 Bold" panose="00000800000000000000" pitchFamily="2" charset="-127"/>
                 <a:cs typeface="KoPubWorld돋움체 Bold" panose="00000800000000000000" pitchFamily="2" charset="-127"/>
               </a:rPr>
-              <a:t>(1)</a:t>
+              <a:t>인텍스</a:t>
             </a:r>
             <a:endParaRPr lang="ko-KR" altLang="en-US" sz="4000" dirty="0">
               <a:latin typeface="KoPubWorld돋움체 Bold" panose="00000800000000000000" pitchFamily="2" charset="-127"/>
@@ -4146,7 +4177,7 @@
         <p:spPr>
           <a:xfrm>
             <a:off x="568658" y="1130694"/>
-            <a:ext cx="11281052" cy="4999638"/>
+            <a:ext cx="11281052" cy="523220"/>
           </a:xfrm>
           <a:prstGeom prst="rect">
             <a:avLst/>
@@ -4322,7 +4353,7 @@
           </a:lstStyle>
           <a:p>
             <a:r>
-              <a:rPr lang="ko-KR" altLang="en-US">
+              <a:rPr lang="ko-KR" altLang="en-US" dirty="0">
                 <a:solidFill>
                   <a:srgbClr val="000000"/>
                 </a:solidFill>
@@ -5133,7 +5164,7 @@
         <p:spPr>
           <a:xfrm>
             <a:off x="519672" y="1223222"/>
-            <a:ext cx="11281052" cy="4999638"/>
+            <a:ext cx="11281052" cy="707886"/>
           </a:xfrm>
           <a:prstGeom prst="rect">
             <a:avLst/>
@@ -5309,7 +5340,7 @@
           </a:lstStyle>
           <a:p>
             <a:r>
-              <a:rPr lang="ko-KR" altLang="en-US">
+              <a:rPr lang="ko-KR" altLang="en-US" dirty="0">
                 <a:solidFill>
                   <a:srgbClr val="000000"/>
                 </a:solidFill>
@@ -6150,7 +6181,7 @@
         <p:spPr>
           <a:xfrm>
             <a:off x="508786" y="1283094"/>
-            <a:ext cx="11281052" cy="4999638"/>
+            <a:ext cx="11281052" cy="763412"/>
           </a:xfrm>
           <a:prstGeom prst="rect">
             <a:avLst/>
@@ -6326,7 +6357,7 @@
           </a:lstStyle>
           <a:p>
             <a:r>
-              <a:rPr lang="ko-KR" altLang="en-US">
+              <a:rPr lang="ko-KR" altLang="en-US" dirty="0">
                 <a:solidFill>
                   <a:srgbClr val="000000"/>
                 </a:solidFill>
@@ -6334,7 +6365,7 @@
               </a:rPr>
               <a:t>배열 뒷부분에 요소 추가하기</a:t>
             </a:r>
-            <a:endParaRPr lang="en-US" altLang="ko-KR">
+            <a:endParaRPr lang="en-US" altLang="ko-KR" dirty="0">
               <a:solidFill>
                 <a:srgbClr val="000000"/>
               </a:solidFill>
@@ -6344,7 +6375,7 @@
           <a:p>
             <a:pPr lvl="1"/>
             <a:r>
-              <a:rPr lang="en-US" altLang="ko-KR" sz="1600">
+              <a:rPr lang="en-US" altLang="ko-KR" sz="1600" dirty="0">
                 <a:solidFill>
                   <a:srgbClr val="000000"/>
                 </a:solidFill>
@@ -6353,7 +6384,7 @@
               <a:t>push() </a:t>
             </a:r>
             <a:r>
-              <a:rPr lang="ko-KR" altLang="en-US" sz="1600">
+              <a:rPr lang="ko-KR" altLang="en-US" sz="1600" dirty="0">
                 <a:solidFill>
                   <a:srgbClr val="000000"/>
                 </a:solidFill>
@@ -6382,10 +6413,16 @@
           <p:cNvGraphicFramePr>
             <a:graphicFrameLocks noGrp="1"/>
           </p:cNvGraphicFramePr>
-          <p:nvPr/>
+          <p:nvPr>
+            <p:extLst>
+              <p:ext uri="{D42A27DB-BD31-4B8C-83A1-F6EECF244321}">
+                <p14:modId xmlns:p14="http://schemas.microsoft.com/office/powerpoint/2010/main" val="1669345941"/>
+              </p:ext>
+            </p:extLst>
+          </p:nvPr>
         </p:nvGraphicFramePr>
         <p:xfrm>
-          <a:off x="1545771" y="2111473"/>
+          <a:off x="680357" y="2410830"/>
           <a:ext cx="2965938" cy="370840"/>
         </p:xfrm>
         <a:graphic>
@@ -6507,10 +6544,16 @@
           <p:cNvGraphicFramePr>
             <a:graphicFrameLocks noGrp="1"/>
           </p:cNvGraphicFramePr>
-          <p:nvPr/>
+          <p:nvPr>
+            <p:extLst>
+              <p:ext uri="{D42A27DB-BD31-4B8C-83A1-F6EECF244321}">
+                <p14:modId xmlns:p14="http://schemas.microsoft.com/office/powerpoint/2010/main" val="2545403964"/>
+              </p:ext>
+            </p:extLst>
+          </p:nvPr>
         </p:nvGraphicFramePr>
         <p:xfrm>
-          <a:off x="1545771" y="2751842"/>
+          <a:off x="680357" y="3051199"/>
           <a:ext cx="9272954" cy="2529840"/>
         </p:xfrm>
         <a:graphic>
@@ -6991,7 +7034,7 @@
         </p:nvSpPr>
         <p:spPr>
           <a:xfrm>
-            <a:off x="5561397" y="3999663"/>
+            <a:off x="4695983" y="4299020"/>
             <a:ext cx="3712256" cy="523220"/>
           </a:xfrm>
           <a:prstGeom prst="rect">
@@ -7048,7 +7091,7 @@
         </p:nvSpPr>
         <p:spPr>
           <a:xfrm>
-            <a:off x="4642171" y="3883204"/>
+            <a:off x="3776757" y="4182561"/>
             <a:ext cx="175848" cy="756138"/>
           </a:xfrm>
           <a:prstGeom prst="rightBracket">
@@ -7092,7 +7135,7 @@
         </p:nvCxnSpPr>
         <p:spPr>
           <a:xfrm>
-            <a:off x="4818019" y="4261273"/>
+            <a:off x="3952605" y="4560630"/>
             <a:ext cx="537752" cy="0"/>
           </a:xfrm>
           <a:prstGeom prst="straightConnector1">
@@ -7131,7 +7174,7 @@
         </p:nvSpPr>
         <p:spPr>
           <a:xfrm>
-            <a:off x="6955971" y="5460358"/>
+            <a:off x="6090557" y="5759715"/>
             <a:ext cx="3499338" cy="307777"/>
           </a:xfrm>
           <a:prstGeom prst="rect">
@@ -7195,7 +7238,7 @@
         </p:nvCxnSpPr>
         <p:spPr>
           <a:xfrm>
-            <a:off x="6621863" y="5228219"/>
+            <a:off x="5756449" y="5527576"/>
             <a:ext cx="3552093" cy="0"/>
           </a:xfrm>
           <a:prstGeom prst="line">
@@ -7231,7 +7274,7 @@
         </p:nvCxnSpPr>
         <p:spPr>
           <a:xfrm>
-            <a:off x="8497556" y="5246513"/>
+            <a:off x="7632142" y="5545870"/>
             <a:ext cx="0" cy="168712"/>
           </a:xfrm>
           <a:prstGeom prst="straightConnector1">
@@ -7355,7 +7398,7 @@
         <p:spPr>
           <a:xfrm>
             <a:off x="541444" y="1179680"/>
-            <a:ext cx="11281052" cy="4999638"/>
+            <a:ext cx="11281052" cy="1003896"/>
           </a:xfrm>
           <a:prstGeom prst="rect">
             <a:avLst/>
@@ -7531,7 +7574,7 @@
           </a:lstStyle>
           <a:p>
             <a:r>
-              <a:rPr lang="ko-KR" altLang="en-US">
+              <a:rPr lang="ko-KR" altLang="en-US" dirty="0">
                 <a:solidFill>
                   <a:srgbClr val="000000"/>
                 </a:solidFill>
@@ -7539,7 +7582,7 @@
               </a:rPr>
               <a:t>배열 뒷부분에 요소 추가하기</a:t>
             </a:r>
-            <a:endParaRPr lang="en-US" altLang="ko-KR">
+            <a:endParaRPr lang="en-US" altLang="ko-KR" dirty="0">
               <a:solidFill>
                 <a:srgbClr val="000000"/>
               </a:solidFill>
@@ -7549,7 +7592,7 @@
           <a:p>
             <a:pPr lvl="1"/>
             <a:r>
-              <a:rPr lang="ko-KR" altLang="en-US" sz="1600">
+              <a:rPr lang="ko-KR" altLang="en-US" sz="1600" dirty="0">
                 <a:solidFill>
                   <a:srgbClr val="000000"/>
                 </a:solidFill>
@@ -8572,20 +8615,12 @@
           <a:lstStyle/>
           <a:p>
             <a:r>
-              <a:rPr lang="ko-KR" altLang="en-US" sz="4000" dirty="0">
-                <a:latin typeface="KoPubWorld돋움체 Bold" panose="00000800000000000000" pitchFamily="2" charset="-127"/>
-                <a:ea typeface="KoPubWorld돋움체 Bold" panose="00000800000000000000" pitchFamily="2" charset="-127"/>
-                <a:cs typeface="KoPubWorld돋움체 Bold" panose="00000800000000000000" pitchFamily="2" charset="-127"/>
-              </a:rPr>
-              <a:t>배열</a:t>
-            </a:r>
-            <a:r>
               <a:rPr lang="en-US" altLang="ko-KR" sz="4000" dirty="0">
                 <a:latin typeface="KoPubWorld돋움체 Bold" panose="00000800000000000000" pitchFamily="2" charset="-127"/>
                 <a:ea typeface="KoPubWorld돋움체 Bold" panose="00000800000000000000" pitchFamily="2" charset="-127"/>
                 <a:cs typeface="KoPubWorld돋움체 Bold" panose="00000800000000000000" pitchFamily="2" charset="-127"/>
               </a:rPr>
-              <a:t>(1)</a:t>
+              <a:t>splice</a:t>
             </a:r>
             <a:endParaRPr lang="ko-KR" altLang="en-US" sz="4000" dirty="0">
               <a:latin typeface="KoPubWorld돋움체 Bold" panose="00000800000000000000" pitchFamily="2" charset="-127"/>
@@ -8925,7 +8960,7 @@
         <p:spPr>
           <a:xfrm>
             <a:off x="503344" y="1283094"/>
-            <a:ext cx="11281052" cy="4999638"/>
+            <a:ext cx="11281052" cy="921263"/>
           </a:xfrm>
           <a:prstGeom prst="rect">
             <a:avLst/>
@@ -9101,7 +9136,7 @@
           </a:lstStyle>
           <a:p>
             <a:r>
-              <a:rPr lang="ko-KR" altLang="en-US">
+              <a:rPr lang="ko-KR" altLang="en-US" dirty="0">
                 <a:solidFill>
                   <a:srgbClr val="000000"/>
                 </a:solidFill>
@@ -9109,7 +9144,7 @@
               </a:rPr>
               <a:t>배열 요소 제거하기</a:t>
             </a:r>
-            <a:endParaRPr lang="en-US" altLang="ko-KR">
+            <a:endParaRPr lang="en-US" altLang="ko-KR" dirty="0">
               <a:solidFill>
                 <a:srgbClr val="000000"/>
               </a:solidFill>
@@ -9119,7 +9154,7 @@
           <a:p>
             <a:pPr lvl="1"/>
             <a:r>
-              <a:rPr lang="ko-KR" altLang="en-US" sz="1600">
+              <a:rPr lang="ko-KR" altLang="en-US" sz="1600" dirty="0">
                 <a:solidFill>
                   <a:srgbClr val="000000"/>
                 </a:solidFill>
@@ -9564,6 +9599,57 @@
           </a:fontRef>
         </p:style>
       </p:cxnSp>
+      <mc:AlternateContent xmlns:mc="http://schemas.openxmlformats.org/markup-compatibility/2006">
+        <mc:Choice xmlns:p14="http://schemas.microsoft.com/office/powerpoint/2010/main" Requires="p14">
+          <p:contentPart p14:bwMode="auto" r:id="rId2">
+            <p14:nvContentPartPr>
+              <p14:cNvPr id="2" name="잉크 1">
+                <a:extLst>
+                  <a:ext uri="{FF2B5EF4-FFF2-40B4-BE49-F238E27FC236}">
+                    <a16:creationId xmlns:a16="http://schemas.microsoft.com/office/drawing/2014/main" id="{A0F1AF63-F654-3A75-750C-B58A239B74D6}"/>
+                  </a:ext>
+                </a:extLst>
+              </p14:cNvPr>
+              <p14:cNvContentPartPr/>
+              <p14:nvPr/>
+            </p14:nvContentPartPr>
+            <p14:xfrm>
+              <a:off x="10722857" y="2239397"/>
+              <a:ext cx="10440" cy="28800"/>
+            </p14:xfrm>
+          </p:contentPart>
+        </mc:Choice>
+        <mc:Fallback>
+          <p:pic>
+            <p:nvPicPr>
+              <p:cNvPr id="2" name="잉크 1">
+                <a:extLst>
+                  <a:ext uri="{FF2B5EF4-FFF2-40B4-BE49-F238E27FC236}">
+                    <a16:creationId xmlns:a16="http://schemas.microsoft.com/office/drawing/2014/main" id="{A0F1AF63-F654-3A75-750C-B58A239B74D6}"/>
+                  </a:ext>
+                </a:extLst>
+              </p:cNvPr>
+              <p:cNvPicPr/>
+              <p:nvPr/>
+            </p:nvPicPr>
+            <p:blipFill>
+              <a:blip r:embed="rId3"/>
+              <a:stretch>
+                <a:fillRect/>
+              </a:stretch>
+            </p:blipFill>
+            <p:spPr>
+              <a:xfrm>
+                <a:off x="10713857" y="2230757"/>
+                <a:ext cx="28080" cy="46440"/>
+              </a:xfrm>
+              <a:prstGeom prst="rect">
+                <a:avLst/>
+              </a:prstGeom>
+            </p:spPr>
+          </p:pic>
+        </mc:Fallback>
+      </mc:AlternateContent>
     </p:spTree>
     <p:extLst>
       <p:ext uri="{BB962C8B-B14F-4D97-AF65-F5344CB8AC3E}">
@@ -10090,7 +10176,7 @@
         <p:spPr>
           <a:xfrm>
             <a:off x="525115" y="1147022"/>
-            <a:ext cx="11281052" cy="4999638"/>
+            <a:ext cx="11281052" cy="828379"/>
           </a:xfrm>
           <a:prstGeom prst="rect">
             <a:avLst/>
@@ -10266,7 +10352,7 @@
           </a:lstStyle>
           <a:p>
             <a:r>
-              <a:rPr lang="ko-KR" altLang="en-US">
+              <a:rPr lang="ko-KR" altLang="en-US" dirty="0">
                 <a:solidFill>
                   <a:srgbClr val="000000"/>
                 </a:solidFill>
@@ -10274,7 +10360,7 @@
               </a:rPr>
               <a:t>배열 요소 제거하기</a:t>
             </a:r>
-            <a:endParaRPr lang="en-US" altLang="ko-KR">
+            <a:endParaRPr lang="en-US" altLang="ko-KR" dirty="0">
               <a:solidFill>
                 <a:srgbClr val="000000"/>
               </a:solidFill>
@@ -10284,7 +10370,7 @@
           <a:p>
             <a:pPr lvl="1"/>
             <a:r>
-              <a:rPr lang="ko-KR" altLang="en-US" sz="1600">
+              <a:rPr lang="ko-KR" altLang="en-US" sz="1600" dirty="0">
                 <a:solidFill>
                   <a:srgbClr val="000000"/>
                 </a:solidFill>
@@ -10983,10 +11069,16 @@
           <p:cNvGraphicFramePr>
             <a:graphicFrameLocks noGrp="1"/>
           </p:cNvGraphicFramePr>
-          <p:nvPr/>
+          <p:nvPr>
+            <p:extLst>
+              <p:ext uri="{D42A27DB-BD31-4B8C-83A1-F6EECF244321}">
+                <p14:modId xmlns:p14="http://schemas.microsoft.com/office/powerpoint/2010/main" val="2680276917"/>
+              </p:ext>
+            </p:extLst>
+          </p:nvPr>
         </p:nvGraphicFramePr>
         <p:xfrm>
-          <a:off x="1551213" y="2695117"/>
+          <a:off x="696684" y="3135988"/>
           <a:ext cx="4506251" cy="2286000"/>
         </p:xfrm>
         <a:graphic>
@@ -11365,7 +11457,7 @@
         <p:spPr>
           <a:xfrm>
             <a:off x="514229" y="1201450"/>
-            <a:ext cx="11281052" cy="4999638"/>
+            <a:ext cx="11281052" cy="828379"/>
           </a:xfrm>
           <a:prstGeom prst="rect">
             <a:avLst/>
@@ -11541,7 +11633,7 @@
           </a:lstStyle>
           <a:p>
             <a:r>
-              <a:rPr lang="ko-KR" altLang="en-US">
+              <a:rPr lang="ko-KR" altLang="en-US" dirty="0">
                 <a:solidFill>
                   <a:srgbClr val="000000"/>
                 </a:solidFill>
@@ -11549,7 +11641,7 @@
               </a:rPr>
               <a:t>배열의 특정 위치에 요소 추가하기</a:t>
             </a:r>
-            <a:endParaRPr lang="en-US" altLang="ko-KR">
+            <a:endParaRPr lang="en-US" altLang="ko-KR" dirty="0">
               <a:solidFill>
                 <a:srgbClr val="000000"/>
               </a:solidFill>
@@ -11559,7 +11651,7 @@
           <a:p>
             <a:pPr lvl="1"/>
             <a:r>
-              <a:rPr lang="ko-KR" altLang="en-US" sz="1600">
+              <a:rPr lang="ko-KR" altLang="en-US" sz="1600" dirty="0">
                 <a:solidFill>
                   <a:srgbClr val="000000"/>
                 </a:solidFill>
@@ -11588,10 +11680,16 @@
           <p:cNvGraphicFramePr>
             <a:graphicFrameLocks noGrp="1"/>
           </p:cNvGraphicFramePr>
-          <p:nvPr/>
+          <p:nvPr>
+            <p:extLst>
+              <p:ext uri="{D42A27DB-BD31-4B8C-83A1-F6EECF244321}">
+                <p14:modId xmlns:p14="http://schemas.microsoft.com/office/powerpoint/2010/main" val="2217985650"/>
+              </p:ext>
+            </p:extLst>
+          </p:nvPr>
         </p:nvGraphicFramePr>
         <p:xfrm>
-          <a:off x="1551214" y="2029829"/>
+          <a:off x="696685" y="2470700"/>
           <a:ext cx="4185138" cy="370840"/>
         </p:xfrm>
         <a:graphic>
@@ -11731,7 +11829,7 @@
         </p:nvSpPr>
         <p:spPr>
           <a:xfrm>
-            <a:off x="6510077" y="4435954"/>
+            <a:off x="5655548" y="4876825"/>
             <a:ext cx="2895600" cy="307777"/>
           </a:xfrm>
           <a:prstGeom prst="rect">
@@ -11785,7 +11883,7 @@
         </p:nvCxnSpPr>
         <p:spPr>
           <a:xfrm>
-            <a:off x="5610816" y="4589843"/>
+            <a:off x="4756287" y="5030714"/>
             <a:ext cx="770306" cy="0"/>
           </a:xfrm>
           <a:prstGeom prst="straightConnector1">
@@ -11908,7 +12006,7 @@
         </p:nvSpPr>
         <p:spPr>
           <a:xfrm>
-            <a:off x="455474" y="1114365"/>
+            <a:off x="406488" y="1223221"/>
             <a:ext cx="11281052" cy="4999638"/>
           </a:xfrm>
           <a:prstGeom prst="rect">
@@ -12085,7 +12183,7 @@
           </a:lstStyle>
           <a:p>
             <a:r>
-              <a:rPr lang="ko-KR" altLang="en-US">
+              <a:rPr lang="ko-KR" altLang="en-US" dirty="0">
                 <a:solidFill>
                   <a:srgbClr val="000000"/>
                 </a:solidFill>
@@ -12094,7 +12192,7 @@
               <a:t>자료 처리 연산자</a:t>
             </a:r>
             <a:r>
-              <a:rPr lang="en-US" altLang="ko-KR">
+              <a:rPr lang="en-US" altLang="ko-KR" dirty="0">
                 <a:solidFill>
                   <a:srgbClr val="000000"/>
                 </a:solidFill>
@@ -12103,7 +12201,7 @@
               <a:t>, </a:t>
             </a:r>
             <a:r>
-              <a:rPr lang="ko-KR" altLang="en-US">
+              <a:rPr lang="ko-KR" altLang="en-US" dirty="0">
                 <a:solidFill>
                   <a:srgbClr val="000000"/>
                 </a:solidFill>
@@ -12112,7 +12210,7 @@
               <a:t>함수</a:t>
             </a:r>
             <a:r>
-              <a:rPr lang="en-US" altLang="ko-KR">
+              <a:rPr lang="en-US" altLang="ko-KR" dirty="0">
                 <a:solidFill>
                   <a:srgbClr val="000000"/>
                 </a:solidFill>
@@ -12121,117 +12219,13 @@
               <a:t>, </a:t>
             </a:r>
             <a:r>
-              <a:rPr lang="ko-KR" altLang="en-US">
+              <a:rPr lang="ko-KR" altLang="en-US" dirty="0">
                 <a:solidFill>
                   <a:srgbClr val="000000"/>
                 </a:solidFill>
                 <a:latin typeface="+mn-ea"/>
               </a:rPr>
               <a:t>메소드는 크게 비파괴적 처리와 파괴적 처리로 구분</a:t>
-            </a:r>
-            <a:endParaRPr lang="en-US" altLang="ko-KR">
-              <a:solidFill>
-                <a:srgbClr val="000000"/>
-              </a:solidFill>
-              <a:latin typeface="+mn-ea"/>
-            </a:endParaRPr>
-          </a:p>
-          <a:p>
-            <a:pPr lvl="1"/>
-            <a:r>
-              <a:rPr lang="ko-KR" altLang="en-US" sz="1800">
-                <a:solidFill>
-                  <a:srgbClr val="000000"/>
-                </a:solidFill>
-              </a:rPr>
-              <a:t>비파괴적 처리</a:t>
-            </a:r>
-            <a:endParaRPr lang="en-US" altLang="ko-KR" sz="1800">
-              <a:solidFill>
-                <a:srgbClr val="000000"/>
-              </a:solidFill>
-            </a:endParaRPr>
-          </a:p>
-          <a:p>
-            <a:pPr lvl="1"/>
-            <a:endParaRPr lang="en-US" altLang="ko-KR">
-              <a:solidFill>
-                <a:srgbClr val="000000"/>
-              </a:solidFill>
-            </a:endParaRPr>
-          </a:p>
-          <a:p>
-            <a:pPr lvl="1"/>
-            <a:endParaRPr lang="en-US" altLang="ko-KR" sz="1800">
-              <a:solidFill>
-                <a:srgbClr val="000000"/>
-              </a:solidFill>
-            </a:endParaRPr>
-          </a:p>
-          <a:p>
-            <a:pPr lvl="1"/>
-            <a:endParaRPr lang="en-US" altLang="ko-KR">
-              <a:solidFill>
-                <a:srgbClr val="000000"/>
-              </a:solidFill>
-            </a:endParaRPr>
-          </a:p>
-          <a:p>
-            <a:pPr lvl="1"/>
-            <a:endParaRPr lang="en-US" altLang="ko-KR" sz="1800">
-              <a:solidFill>
-                <a:srgbClr val="000000"/>
-              </a:solidFill>
-            </a:endParaRPr>
-          </a:p>
-          <a:p>
-            <a:pPr lvl="1"/>
-            <a:endParaRPr lang="en-US" altLang="ko-KR">
-              <a:solidFill>
-                <a:srgbClr val="000000"/>
-              </a:solidFill>
-            </a:endParaRPr>
-          </a:p>
-          <a:p>
-            <a:pPr lvl="1"/>
-            <a:endParaRPr lang="en-US" altLang="ko-KR" sz="1800">
-              <a:solidFill>
-                <a:srgbClr val="000000"/>
-              </a:solidFill>
-            </a:endParaRPr>
-          </a:p>
-          <a:p>
-            <a:pPr lvl="1"/>
-            <a:endParaRPr lang="en-US" altLang="ko-KR">
-              <a:solidFill>
-                <a:srgbClr val="000000"/>
-              </a:solidFill>
-            </a:endParaRPr>
-          </a:p>
-          <a:p>
-            <a:pPr lvl="1"/>
-            <a:r>
-              <a:rPr lang="ko-KR" altLang="en-US" sz="1800">
-                <a:solidFill>
-                  <a:srgbClr val="000000"/>
-                </a:solidFill>
-              </a:rPr>
-              <a:t>메모리가 여유로운 현대의 프로그래밍 언어와 라이브러리는 자료 보호를 위해서 대부분 </a:t>
-            </a:r>
-            <a:br>
-              <a:rPr lang="en-US" altLang="ko-KR" sz="1800">
-                <a:solidFill>
-                  <a:srgbClr val="000000"/>
-                </a:solidFill>
-              </a:rPr>
-            </a:br>
-            <a:r>
-              <a:rPr lang="ko-KR" altLang="en-US" sz="1800">
-                <a:solidFill>
-                  <a:srgbClr val="000000"/>
-                </a:solidFill>
-              </a:rPr>
-              <a:t>비파괴적 처리를 수행</a:t>
             </a:r>
             <a:endParaRPr lang="en-US" altLang="ko-KR" dirty="0">
               <a:solidFill>
@@ -12240,6 +12234,110 @@
               <a:latin typeface="+mn-ea"/>
             </a:endParaRPr>
           </a:p>
+          <a:p>
+            <a:pPr lvl="1"/>
+            <a:r>
+              <a:rPr lang="ko-KR" altLang="en-US" sz="1800" dirty="0">
+                <a:solidFill>
+                  <a:srgbClr val="000000"/>
+                </a:solidFill>
+              </a:rPr>
+              <a:t>비파괴적 처리</a:t>
+            </a:r>
+            <a:endParaRPr lang="en-US" altLang="ko-KR" sz="1800" dirty="0">
+              <a:solidFill>
+                <a:srgbClr val="000000"/>
+              </a:solidFill>
+            </a:endParaRPr>
+          </a:p>
+          <a:p>
+            <a:pPr lvl="1"/>
+            <a:endParaRPr lang="en-US" altLang="ko-KR" dirty="0">
+              <a:solidFill>
+                <a:srgbClr val="000000"/>
+              </a:solidFill>
+            </a:endParaRPr>
+          </a:p>
+          <a:p>
+            <a:pPr lvl="1"/>
+            <a:endParaRPr lang="en-US" altLang="ko-KR" sz="1800" dirty="0">
+              <a:solidFill>
+                <a:srgbClr val="000000"/>
+              </a:solidFill>
+            </a:endParaRPr>
+          </a:p>
+          <a:p>
+            <a:pPr lvl="1"/>
+            <a:endParaRPr lang="en-US" altLang="ko-KR" dirty="0">
+              <a:solidFill>
+                <a:srgbClr val="000000"/>
+              </a:solidFill>
+            </a:endParaRPr>
+          </a:p>
+          <a:p>
+            <a:pPr lvl="1"/>
+            <a:endParaRPr lang="en-US" altLang="ko-KR" sz="1800" dirty="0">
+              <a:solidFill>
+                <a:srgbClr val="000000"/>
+              </a:solidFill>
+            </a:endParaRPr>
+          </a:p>
+          <a:p>
+            <a:pPr lvl="1"/>
+            <a:endParaRPr lang="en-US" altLang="ko-KR" dirty="0">
+              <a:solidFill>
+                <a:srgbClr val="000000"/>
+              </a:solidFill>
+            </a:endParaRPr>
+          </a:p>
+          <a:p>
+            <a:pPr lvl="1"/>
+            <a:endParaRPr lang="en-US" altLang="ko-KR" sz="1800" dirty="0">
+              <a:solidFill>
+                <a:srgbClr val="000000"/>
+              </a:solidFill>
+            </a:endParaRPr>
+          </a:p>
+          <a:p>
+            <a:pPr lvl="1"/>
+            <a:endParaRPr lang="en-US" altLang="ko-KR" dirty="0">
+              <a:solidFill>
+                <a:srgbClr val="000000"/>
+              </a:solidFill>
+            </a:endParaRPr>
+          </a:p>
+          <a:p>
+            <a:pPr lvl="1"/>
+            <a:r>
+              <a:rPr lang="ko-KR" altLang="en-US" sz="1800" dirty="0">
+                <a:solidFill>
+                  <a:srgbClr val="000000"/>
+                </a:solidFill>
+              </a:rPr>
+              <a:t>메모리가 여유로운 현대의 프로그래밍 언어와 라이브러리는 자료 보호를 위해서 대부분 </a:t>
+            </a:r>
+            <a:br>
+              <a:rPr lang="en-US" altLang="ko-KR" sz="1800" dirty="0">
+                <a:solidFill>
+                  <a:srgbClr val="000000"/>
+                </a:solidFill>
+              </a:rPr>
+            </a:br>
+            <a:r>
+              <a:rPr lang="ko-KR" altLang="en-US" sz="1800" dirty="0">
+                <a:solidFill>
+                  <a:srgbClr val="000000"/>
+                </a:solidFill>
+              </a:rPr>
+              <a:t>비파괴적 처리를 수행</a:t>
+            </a:r>
+            <a:endParaRPr lang="en-US" altLang="ko-KR" dirty="0">
+              <a:solidFill>
+                <a:srgbClr val="000000"/>
+              </a:solidFill>
+              <a:latin typeface="+mn-ea"/>
+            </a:endParaRPr>
+          </a:p>
         </p:txBody>
       </p:sp>
       <p:graphicFrame>
@@ -12254,10 +12352,16 @@
           <p:cNvGraphicFramePr>
             <a:graphicFrameLocks noGrp="1"/>
           </p:cNvGraphicFramePr>
-          <p:nvPr/>
+          <p:nvPr>
+            <p:extLst>
+              <p:ext uri="{D42A27DB-BD31-4B8C-83A1-F6EECF244321}">
+                <p14:modId xmlns:p14="http://schemas.microsoft.com/office/powerpoint/2010/main" val="3930439450"/>
+              </p:ext>
+            </p:extLst>
+          </p:nvPr>
         </p:nvGraphicFramePr>
         <p:xfrm>
-          <a:off x="1492459" y="2097755"/>
+          <a:off x="1492459" y="2407997"/>
           <a:ext cx="2569259" cy="2286000"/>
         </p:xfrm>
         <a:graphic>
@@ -12525,7 +12629,7 @@
         </p:nvSpPr>
         <p:spPr>
           <a:xfrm>
-            <a:off x="3701721" y="3715825"/>
+            <a:off x="3701721" y="4026067"/>
             <a:ext cx="2895600" cy="307777"/>
           </a:xfrm>
           <a:prstGeom prst="rect">
@@ -12571,7 +12675,7 @@
         </p:nvCxnSpPr>
         <p:spPr>
           <a:xfrm>
-            <a:off x="2664767" y="3869714"/>
+            <a:off x="2664767" y="4179956"/>
             <a:ext cx="770306" cy="0"/>
           </a:xfrm>
           <a:prstGeom prst="straightConnector1">
@@ -12610,7 +12714,7 @@
         </p:nvSpPr>
         <p:spPr>
           <a:xfrm>
-            <a:off x="4352892" y="2621726"/>
+            <a:off x="4352892" y="2931968"/>
             <a:ext cx="2895600" cy="307777"/>
           </a:xfrm>
           <a:prstGeom prst="rect">
@@ -12656,7 +12760,7 @@
         </p:nvCxnSpPr>
         <p:spPr>
           <a:xfrm>
-            <a:off x="3316568" y="2780034"/>
+            <a:off x="3316568" y="3090276"/>
             <a:ext cx="770306" cy="0"/>
           </a:xfrm>
           <a:prstGeom prst="straightConnector1">
@@ -12695,7 +12799,7 @@
         </p:nvSpPr>
         <p:spPr>
           <a:xfrm>
-            <a:off x="4648200" y="2100685"/>
+            <a:off x="4648200" y="2410927"/>
             <a:ext cx="2895600" cy="307777"/>
           </a:xfrm>
           <a:prstGeom prst="rect">
@@ -12741,7 +12845,7 @@
         </p:nvCxnSpPr>
         <p:spPr>
           <a:xfrm>
-            <a:off x="3676565" y="2254574"/>
+            <a:off x="3676565" y="2564816"/>
             <a:ext cx="770306" cy="0"/>
           </a:xfrm>
           <a:prstGeom prst="straightConnector1">
@@ -12780,7 +12884,7 @@
         </p:nvSpPr>
         <p:spPr>
           <a:xfrm>
-            <a:off x="2508013" y="3488037"/>
+            <a:off x="2508013" y="3798279"/>
             <a:ext cx="156754" cy="810228"/>
           </a:xfrm>
           <a:prstGeom prst="rightBracket">
@@ -12908,8 +13012,8 @@
         </p:nvSpPr>
         <p:spPr>
           <a:xfrm>
-            <a:off x="455474" y="1196008"/>
-            <a:ext cx="11281052" cy="4999638"/>
+            <a:off x="423933" y="1206894"/>
+            <a:ext cx="11281052" cy="1408189"/>
           </a:xfrm>
           <a:prstGeom prst="rect">
             <a:avLst/>
@@ -13085,7 +13189,7 @@
           </a:lstStyle>
           <a:p>
             <a:r>
-              <a:rPr lang="ko-KR" altLang="en-US">
+              <a:rPr lang="ko-KR" altLang="en-US" dirty="0">
                 <a:solidFill>
                   <a:srgbClr val="000000"/>
                 </a:solidFill>
@@ -13094,7 +13198,7 @@
               <a:t>자료 처리 연산자</a:t>
             </a:r>
             <a:r>
-              <a:rPr lang="en-US" altLang="ko-KR">
+              <a:rPr lang="en-US" altLang="ko-KR" dirty="0">
                 <a:solidFill>
                   <a:srgbClr val="000000"/>
                 </a:solidFill>
@@ -13103,7 +13207,7 @@
               <a:t>, </a:t>
             </a:r>
             <a:r>
-              <a:rPr lang="ko-KR" altLang="en-US">
+              <a:rPr lang="ko-KR" altLang="en-US" dirty="0">
                 <a:solidFill>
                   <a:srgbClr val="000000"/>
                 </a:solidFill>
@@ -13112,7 +13216,7 @@
               <a:t>함수</a:t>
             </a:r>
             <a:r>
-              <a:rPr lang="en-US" altLang="ko-KR">
+              <a:rPr lang="en-US" altLang="ko-KR" dirty="0">
                 <a:solidFill>
                   <a:srgbClr val="000000"/>
                 </a:solidFill>
@@ -13121,30 +13225,13 @@
               <a:t>, </a:t>
             </a:r>
             <a:r>
-              <a:rPr lang="ko-KR" altLang="en-US">
+              <a:rPr lang="ko-KR" altLang="en-US" dirty="0">
                 <a:solidFill>
                   <a:srgbClr val="000000"/>
                 </a:solidFill>
                 <a:latin typeface="+mn-ea"/>
               </a:rPr>
               <a:t>메소드는 크게 비파괴적 처리와 파괴적 처리로 구분</a:t>
-            </a:r>
-            <a:endParaRPr lang="en-US" altLang="ko-KR">
-              <a:solidFill>
-                <a:srgbClr val="000000"/>
-              </a:solidFill>
-              <a:latin typeface="+mn-ea"/>
-            </a:endParaRPr>
-          </a:p>
-          <a:p>
-            <a:pPr lvl="1"/>
-            <a:r>
-              <a:rPr lang="ko-KR" altLang="en-US" sz="1800">
-                <a:solidFill>
-                  <a:srgbClr val="000000"/>
-                </a:solidFill>
-              </a:rPr>
-              <a:t>파괴적 처리 </a:t>
             </a:r>
             <a:endParaRPr lang="en-US" altLang="ko-KR" dirty="0">
               <a:solidFill>
@@ -13153,6 +13240,23 @@
               <a:latin typeface="+mn-ea"/>
             </a:endParaRPr>
           </a:p>
+          <a:p>
+            <a:pPr lvl="1"/>
+            <a:r>
+              <a:rPr lang="ko-KR" altLang="en-US" sz="1800" dirty="0">
+                <a:solidFill>
+                  <a:srgbClr val="000000"/>
+                </a:solidFill>
+              </a:rPr>
+              <a:t>파괴적 처리 </a:t>
+            </a:r>
+            <a:endParaRPr lang="en-US" altLang="ko-KR" dirty="0">
+              <a:solidFill>
+                <a:srgbClr val="000000"/>
+              </a:solidFill>
+              <a:latin typeface="+mn-ea"/>
+            </a:endParaRPr>
+          </a:p>
         </p:txBody>
       </p:sp>
       <p:graphicFrame>
@@ -13167,10 +13271,16 @@
           <p:cNvGraphicFramePr>
             <a:graphicFrameLocks noGrp="1"/>
           </p:cNvGraphicFramePr>
-          <p:nvPr/>
+          <p:nvPr>
+            <p:extLst>
+              <p:ext uri="{D42A27DB-BD31-4B8C-83A1-F6EECF244321}">
+                <p14:modId xmlns:p14="http://schemas.microsoft.com/office/powerpoint/2010/main" val="3801251616"/>
+              </p:ext>
+            </p:extLst>
+          </p:nvPr>
         </p:nvGraphicFramePr>
         <p:xfrm>
-          <a:off x="1492459" y="2179398"/>
+          <a:off x="1492459" y="2473312"/>
           <a:ext cx="3821723" cy="1310640"/>
         </p:xfrm>
         <a:graphic>
@@ -13458,7 +13568,7 @@
         </p:nvSpPr>
         <p:spPr>
           <a:xfrm>
-            <a:off x="5500650" y="3207989"/>
+            <a:off x="5500650" y="3501903"/>
             <a:ext cx="2895600" cy="307777"/>
           </a:xfrm>
           <a:prstGeom prst="rect">
@@ -13520,7 +13630,7 @@
         </p:nvCxnSpPr>
         <p:spPr>
           <a:xfrm>
-            <a:off x="4574527" y="3361878"/>
+            <a:off x="4574527" y="3655792"/>
             <a:ext cx="770306" cy="0"/>
           </a:xfrm>
           <a:prstGeom prst="straightConnector1">
@@ -13559,7 +13669,7 @@
         </p:nvSpPr>
         <p:spPr>
           <a:xfrm>
-            <a:off x="4574527" y="2475400"/>
+            <a:off x="4574527" y="2769314"/>
             <a:ext cx="3274559" cy="307777"/>
           </a:xfrm>
           <a:prstGeom prst="rect">
@@ -13605,7 +13715,7 @@
         </p:nvCxnSpPr>
         <p:spPr>
           <a:xfrm>
-            <a:off x="3586199" y="2623890"/>
+            <a:off x="3586199" y="2917804"/>
             <a:ext cx="770306" cy="0"/>
           </a:xfrm>
           <a:prstGeom prst="straightConnector1">
@@ -13644,7 +13754,7 @@
         </p:nvSpPr>
         <p:spPr>
           <a:xfrm>
-            <a:off x="6064459" y="2179398"/>
+            <a:off x="6064459" y="2473312"/>
             <a:ext cx="2895600" cy="307777"/>
           </a:xfrm>
           <a:prstGeom prst="rect">
@@ -13690,7 +13800,7 @@
         </p:nvCxnSpPr>
         <p:spPr>
           <a:xfrm>
-            <a:off x="5076131" y="2321169"/>
+            <a:off x="5076131" y="2615083"/>
             <a:ext cx="770306" cy="0"/>
           </a:xfrm>
           <a:prstGeom prst="straightConnector1">
@@ -19639,7 +19749,7 @@
         <p:spPr>
           <a:xfrm>
             <a:off x="455474" y="1315750"/>
-            <a:ext cx="11281052" cy="4999638"/>
+            <a:ext cx="11281052" cy="666750"/>
           </a:xfrm>
           <a:prstGeom prst="rect">
             <a:avLst/>
@@ -19815,7 +19925,7 @@
           </a:lstStyle>
           <a:p>
             <a:r>
-              <a:rPr lang="ko-KR" altLang="en-US">
+              <a:rPr lang="ko-KR" altLang="en-US" dirty="0">
                 <a:solidFill>
                   <a:srgbClr val="000000"/>
                 </a:solidFill>
@@ -19824,7 +19934,7 @@
               <a:t>배열</a:t>
             </a:r>
             <a:r>
-              <a:rPr lang="en-US" altLang="ko-KR">
+              <a:rPr lang="en-US" altLang="ko-KR" dirty="0">
                 <a:solidFill>
                   <a:srgbClr val="000000"/>
                 </a:solidFill>
@@ -19833,7 +19943,7 @@
               <a:t>(array):</a:t>
             </a:r>
             <a:r>
-              <a:rPr lang="ko-KR" altLang="en-US">
+              <a:rPr lang="ko-KR" altLang="en-US" dirty="0">
                 <a:solidFill>
                   <a:srgbClr val="000000"/>
                 </a:solidFill>
@@ -19862,10 +19972,16 @@
           <p:cNvGraphicFramePr>
             <a:graphicFrameLocks noGrp="1"/>
           </p:cNvGraphicFramePr>
-          <p:nvPr/>
+          <p:nvPr>
+            <p:extLst>
+              <p:ext uri="{D42A27DB-BD31-4B8C-83A1-F6EECF244321}">
+                <p14:modId xmlns:p14="http://schemas.microsoft.com/office/powerpoint/2010/main" val="2950621444"/>
+              </p:ext>
+            </p:extLst>
+          </p:nvPr>
         </p:nvGraphicFramePr>
         <p:xfrm>
-          <a:off x="1492459" y="1897945"/>
+          <a:off x="817545" y="1958673"/>
           <a:ext cx="2965938" cy="1310640"/>
         </p:xfrm>
         <a:graphic>
@@ -21084,7 +21200,7 @@
         <p:spPr>
           <a:xfrm>
             <a:off x="508787" y="1304865"/>
-            <a:ext cx="11281052" cy="4999638"/>
+            <a:ext cx="11281052" cy="707886"/>
           </a:xfrm>
           <a:prstGeom prst="rect">
             <a:avLst/>
@@ -21260,7 +21376,7 @@
           </a:lstStyle>
           <a:p>
             <a:r>
-              <a:rPr lang="ko-KR" altLang="en-US">
+              <a:rPr lang="ko-KR" altLang="en-US" dirty="0">
                 <a:solidFill>
                   <a:srgbClr val="000000"/>
                 </a:solidFill>
